--- a/updates/update9.pptx
+++ b/updates/update9.pptx
@@ -4547,7 +4547,7 @@
           <a:p>
             <a:r>
               <a:rPr lang="en-US" dirty="0"/>
-              <a:t>Weekends news </a:t>
+              <a:t>Weekend news </a:t>
             </a:r>
             <a:r>
               <a:rPr lang="en-US" dirty="0">
@@ -4596,7 +4596,7 @@
               <a:rPr lang="en-US" dirty="0">
                 <a:sym typeface="Wingdings" pitchFamily="2" charset="2"/>
               </a:rPr>
-              <a:t>10: 3 days prior</a:t>
+              <a:t>10%: 3 days prior</a:t>
             </a:r>
           </a:p>
           <a:p>
@@ -4768,14 +4768,14 @@
             <a:pPr lvl="1"/>
             <a:r>
               <a:rPr lang="en-US" dirty="0"/>
-              <a:t>Multiplied negative scores by -1</a:t>
+              <a:t>Multiplied negative sentiment scores by -1</a:t>
             </a:r>
           </a:p>
           <a:p>
             <a:pPr lvl="1"/>
             <a:r>
               <a:rPr lang="en-US" dirty="0"/>
-              <a:t>Scaled all sentiment scores, read scores, and volume count</a:t>
+              <a:t>Scaled sentiment scores, read score, and volume count</a:t>
             </a:r>
           </a:p>
           <a:p>
@@ -5295,6 +5295,21 @@
             <a:r>
               <a:rPr lang="en-US" dirty="0"/>
               <a:t>Q1 should be finished by next Wednesday</a:t>
+            </a:r>
+          </a:p>
+          <a:p>
+            <a:pPr lvl="1"/>
+            <a:r>
+              <a:rPr lang="en-US" dirty="0"/>
+              <a:t>Use </a:t>
+            </a:r>
+            <a:r>
+              <a:rPr lang="en-US"/>
+              <a:t>GPUs to finish </a:t>
+            </a:r>
+            <a:r>
+              <a:rPr lang="en-US" dirty="0"/>
+              <a:t>all of 2021</a:t>
             </a:r>
           </a:p>
           <a:p>
